--- a/rendu/presentation.pptx
+++ b/rendu/presentation.pptx
@@ -5,7 +5,7 @@
     <p:sldMasterId id="2147483648" r:id="rId4"/>
   </p:sldMasterIdLst>
   <p:handoutMasterIdLst>
-    <p:handoutMasterId r:id="rId18"/>
+    <p:handoutMasterId r:id="rId19"/>
   </p:handoutMasterIdLst>
   <p:sldIdLst>
     <p:sldId id="256" r:id="rId5"/>
@@ -19,8 +19,9 @@
     <p:sldId id="270" r:id="rId13"/>
     <p:sldId id="274" r:id="rId14"/>
     <p:sldId id="271" r:id="rId15"/>
-    <p:sldId id="272" r:id="rId16"/>
-    <p:sldId id="273" r:id="rId17"/>
+    <p:sldId id="275" r:id="rId16"/>
+    <p:sldId id="272" r:id="rId17"/>
+    <p:sldId id="273" r:id="rId18"/>
   </p:sldIdLst>
   <p:sldSz cx="9144000" cy="5143500" type="screen16x9"/>
   <p:notesSz cx="6858000" cy="9144000"/>
@@ -4339,8 +4340,8 @@
         </p:nvSpPr>
         <p:spPr>
           <a:xfrm>
-            <a:off x="594986" y="1045923"/>
-            <a:ext cx="7954028" cy="369332"/>
+            <a:off x="528812" y="1045923"/>
+            <a:ext cx="7954028" cy="2954655"/>
           </a:xfrm>
           <a:prstGeom prst="rect">
             <a:avLst/>
@@ -4354,21 +4355,197 @@
           <a:lstStyle/>
           <a:p>
             <a:r>
-              <a:rPr lang="fr-CH" dirty="0" err="1"/>
-              <a:t>blabla</a:t>
-            </a:r>
-            <a:r>
-              <a:rPr lang="fr-CH" dirty="0"/>
+              <a:rPr lang="fr-FR" dirty="0"/>
+              <a:t>Envoi de données depuis le SERIAL:</a:t>
+            </a:r>
+          </a:p>
+          <a:p>
+            <a:r>
+              <a:rPr lang="fr-FR" sz="1200" dirty="0"/>
+              <a:t>Depuis le script python, des </a:t>
+            </a:r>
+            <a:r>
+              <a:rPr lang="fr-FR" sz="1200" dirty="0" err="1"/>
+              <a:t>énénements</a:t>
+            </a:r>
+            <a:r>
+              <a:rPr lang="fr-FR" sz="1200" dirty="0"/>
+              <a:t> sont déclenchés afin de communiquer avec </a:t>
+            </a:r>
+            <a:r>
+              <a:rPr lang="fr-FR" sz="1200" dirty="0" err="1"/>
+              <a:t>l'arduino</a:t>
+            </a:r>
+            <a:r>
+              <a:rPr lang="fr-FR" sz="1200" dirty="0"/>
+              <a:t> (appui d'un bouton, changement des valeurs des barres glissantes pour </a:t>
+            </a:r>
+            <a:r>
+              <a:rPr lang="fr-FR" sz="1200" dirty="0" err="1"/>
+              <a:t>controller</a:t>
+            </a:r>
+            <a:r>
+              <a:rPr lang="fr-FR" sz="1200" dirty="0"/>
+              <a:t> la saturation et la couleur, allumer ou éteindre la LED).</a:t>
+            </a:r>
+          </a:p>
+          <a:p>
+            <a:r>
+              <a:rPr lang="fr-FR" sz="1200" dirty="0"/>
+              <a:t>Tous les événements sont connectés à la même fonction :</a:t>
+            </a:r>
+          </a:p>
+          <a:p>
+            <a:endParaRPr lang="fr-FR" sz="1200" dirty="0"/>
+          </a:p>
+          <a:p>
+            <a:r>
+              <a:rPr lang="fr-CH" sz="1200" dirty="0" err="1"/>
+              <a:t>def</a:t>
+            </a:r>
+            <a:r>
+              <a:rPr lang="fr-CH" sz="1200" dirty="0"/>
               <a:t> </a:t>
             </a:r>
             <a:r>
-              <a:rPr lang="fr-CH" dirty="0" err="1"/>
-              <a:t>luca</a:t>
-            </a:r>
-            <a:r>
-              <a:rPr lang="fr-CH" dirty="0"/>
-              <a:t> sur les serial</a:t>
-            </a:r>
+              <a:rPr lang="fr-CH" sz="1200" dirty="0" err="1"/>
+              <a:t>send_input</a:t>
+            </a:r>
+            <a:r>
+              <a:rPr lang="fr-CH" sz="1200" dirty="0"/>
+              <a:t>(</a:t>
+            </a:r>
+            <a:r>
+              <a:rPr lang="fr-CH" sz="1200" dirty="0" err="1"/>
+              <a:t>ser</a:t>
+            </a:r>
+            <a:r>
+              <a:rPr lang="fr-CH" sz="1200" dirty="0"/>
+              <a:t>: serial, _input: </a:t>
+            </a:r>
+            <a:r>
+              <a:rPr lang="fr-CH" sz="1200" dirty="0" err="1"/>
+              <a:t>str</a:t>
+            </a:r>
+            <a:r>
+              <a:rPr lang="fr-CH" sz="1200" dirty="0"/>
+              <a:t>): </a:t>
+            </a:r>
+          </a:p>
+          <a:p>
+            <a:endParaRPr lang="fr-CH" sz="1200" dirty="0"/>
+          </a:p>
+          <a:p>
+            <a:pPr marL="171450" indent="-171450">
+              <a:buFontTx/>
+              <a:buChar char="-"/>
+            </a:pPr>
+            <a:r>
+              <a:rPr lang="fr-FR" sz="1200" b="1" dirty="0"/>
+              <a:t>serial </a:t>
+            </a:r>
+            <a:r>
+              <a:rPr lang="fr-FR" sz="1200" dirty="0"/>
+              <a:t>correspond à l'objet établissant la communication avec </a:t>
+            </a:r>
+            <a:r>
+              <a:rPr lang="fr-FR" sz="1200" dirty="0" err="1"/>
+              <a:t>l'arduino</a:t>
+            </a:r>
+            <a:r>
+              <a:rPr lang="fr-FR" sz="1200" dirty="0"/>
+              <a:t> tandis que **_input** correspond à la commande envoyée à </a:t>
+            </a:r>
+            <a:r>
+              <a:rPr lang="fr-FR" sz="1200" dirty="0" err="1"/>
+              <a:t>l'arduino</a:t>
+            </a:r>
+            <a:r>
+              <a:rPr lang="fr-FR" sz="1200" dirty="0"/>
+              <a:t>. La commande envoyée est toujours de la forme suivante:</a:t>
+            </a:r>
+          </a:p>
+          <a:p>
+            <a:r>
+              <a:rPr lang="fr-FR" sz="1200" dirty="0"/>
+              <a:t>	</a:t>
+            </a:r>
+            <a:r>
+              <a:rPr lang="en-US" sz="1200" dirty="0"/>
+              <a:t>_input = </a:t>
+            </a:r>
+            <a:r>
+              <a:rPr lang="en-US" sz="1200" dirty="0" err="1"/>
+              <a:t>on_off</a:t>
+            </a:r>
+            <a:r>
+              <a:rPr lang="en-US" sz="1200" dirty="0"/>
+              <a:t> hue intensity mode </a:t>
+            </a:r>
+          </a:p>
+          <a:p>
+            <a:endParaRPr lang="en-US" sz="1200" dirty="0"/>
+          </a:p>
+          <a:p>
+            <a:pPr lvl="1"/>
+            <a:r>
+              <a:rPr lang="fr-FR" sz="1200" b="1" dirty="0"/>
+              <a:t>- </a:t>
+            </a:r>
+            <a:r>
+              <a:rPr lang="fr-FR" sz="1200" b="1" dirty="0" err="1"/>
+              <a:t>on_off</a:t>
+            </a:r>
+            <a:r>
+              <a:rPr lang="fr-FR" sz="1200" dirty="0"/>
+              <a:t> correspond à un entier (1 pour allumé, 0 pour éteindre)</a:t>
+            </a:r>
+          </a:p>
+          <a:p>
+            <a:pPr lvl="1"/>
+            <a:r>
+              <a:rPr lang="fr-FR" sz="1200" b="1" dirty="0"/>
+              <a:t>- hue</a:t>
+            </a:r>
+            <a:r>
+              <a:rPr lang="fr-FR" sz="1200" dirty="0"/>
+              <a:t> correspond à la valeur en entier de la couleur sur le cercle HUE (entre 0 et 359)</a:t>
+            </a:r>
+          </a:p>
+          <a:p>
+            <a:pPr lvl="1"/>
+            <a:r>
+              <a:rPr lang="fr-FR" sz="1200" b="1" dirty="0"/>
+              <a:t>- </a:t>
+            </a:r>
+            <a:r>
+              <a:rPr lang="fr-FR" sz="1200" b="1" dirty="0" err="1"/>
+              <a:t>intensity</a:t>
+            </a:r>
+            <a:r>
+              <a:rPr lang="fr-FR" sz="1200" dirty="0"/>
+              <a:t> correspond à la valeur en </a:t>
+            </a:r>
+            <a:r>
+              <a:rPr lang="fr-FR" sz="1200" dirty="0" err="1"/>
+              <a:t>float</a:t>
+            </a:r>
+            <a:r>
+              <a:rPr lang="fr-FR" sz="1200" dirty="0"/>
+              <a:t> de l'intensité de la couleur (0.0 pour blanc et 1.0 pour la couleur vive)</a:t>
+            </a:r>
+          </a:p>
+          <a:p>
+            <a:pPr lvl="1"/>
+            <a:r>
+              <a:rPr lang="fr-FR" sz="1200" b="1" dirty="0"/>
+              <a:t>- mode</a:t>
+            </a:r>
+            <a:r>
+              <a:rPr lang="fr-FR" sz="1200" dirty="0"/>
+              <a:t> correspond au mode de contrôle de la LED en entier (1 pour le mode "joystick" et 2 pour le mode "UI")</a:t>
+            </a:r>
+            <a:endParaRPr lang="fr-CH" sz="1200" dirty="0"/>
           </a:p>
         </p:txBody>
       </p:sp>
@@ -4409,7 +4586,7 @@
             <a:spLocks noGrp="1"/>
           </p:cNvSpPr>
           <p:nvPr>
-            <p:ph type="body" sz="quarter" idx="14"/>
+            <p:ph type="body" sz="quarter" idx="13"/>
           </p:nvPr>
         </p:nvSpPr>
         <p:spPr/>
@@ -4419,7 +4596,7 @@
           <a:p>
             <a:r>
               <a:rPr lang="fr-FR" dirty="0"/>
-              <a:t>Chapitre 3</a:t>
+              <a:t>Modules de travail - PC</a:t>
             </a:r>
           </a:p>
         </p:txBody>
@@ -4431,7 +4608,7 @@
             <a:spLocks noGrp="1"/>
           </p:cNvSpPr>
           <p:nvPr>
-            <p:ph type="body" sz="quarter" idx="15"/>
+            <p:ph type="body" sz="quarter" idx="14"/>
           </p:nvPr>
         </p:nvSpPr>
         <p:spPr/>
@@ -4441,7 +4618,229 @@
           <a:p>
             <a:r>
               <a:rPr lang="fr-FR" dirty="0"/>
-              <a:t>Conclusion</a:t>
+              <a:t>Chapitre 2</a:t>
+            </a:r>
+          </a:p>
+        </p:txBody>
+      </p:sp>
+      <p:sp>
+        <p:nvSpPr>
+          <p:cNvPr id="4" name="ZoneTexte 3">
+            <a:extLst>
+              <a:ext uri="{FF2B5EF4-FFF2-40B4-BE49-F238E27FC236}">
+                <a16:creationId xmlns:a16="http://schemas.microsoft.com/office/drawing/2014/main" id="{DDBA3A08-3E6A-4841-84EF-67B8D546A48E}"/>
+              </a:ext>
+            </a:extLst>
+          </p:cNvPr>
+          <p:cNvSpPr txBox="1"/>
+          <p:nvPr/>
+        </p:nvSpPr>
+        <p:spPr>
+          <a:xfrm>
+            <a:off x="528812" y="1045923"/>
+            <a:ext cx="7954028" cy="1384995"/>
+          </a:xfrm>
+          <a:prstGeom prst="rect">
+            <a:avLst/>
+          </a:prstGeom>
+          <a:noFill/>
+        </p:spPr>
+        <p:txBody>
+          <a:bodyPr wrap="square" rtlCol="0">
+            <a:spAutoFit/>
+          </a:bodyPr>
+          <a:lstStyle/>
+          <a:p>
+            <a:r>
+              <a:rPr lang="fr-FR" dirty="0"/>
+              <a:t>Envoi de données depuis le SERIAL:</a:t>
+            </a:r>
+          </a:p>
+          <a:p>
+            <a:endParaRPr lang="fr-FR" dirty="0"/>
+          </a:p>
+          <a:p>
+            <a:r>
+              <a:rPr lang="fr-FR" sz="1200" dirty="0"/>
+              <a:t>Avant de pouvoir </a:t>
+            </a:r>
+            <a:r>
+              <a:rPr lang="fr-FR" sz="1200" dirty="0" err="1"/>
+              <a:t>controller</a:t>
+            </a:r>
+            <a:r>
+              <a:rPr lang="fr-FR" sz="1200" dirty="0"/>
+              <a:t> </a:t>
+            </a:r>
+            <a:r>
+              <a:rPr lang="fr-FR" sz="1200" dirty="0" err="1"/>
+              <a:t>l'arduino</a:t>
+            </a:r>
+            <a:r>
+              <a:rPr lang="fr-FR" sz="1200" dirty="0"/>
+              <a:t> avec le GUI, il est nécessaire de faire l'interfaçage entre le script python et </a:t>
+            </a:r>
+            <a:r>
+              <a:rPr lang="fr-FR" sz="1200" dirty="0" err="1"/>
+              <a:t>l'arduino</a:t>
+            </a:r>
+            <a:r>
+              <a:rPr lang="fr-FR" sz="1200" dirty="0"/>
+              <a:t>. Dans le GUI, un champ est mis à disposition pour spécifier le port sur lequel est connecté </a:t>
+            </a:r>
+            <a:r>
+              <a:rPr lang="fr-FR" sz="1200" dirty="0" err="1"/>
+              <a:t>l'arduino</a:t>
+            </a:r>
+            <a:r>
+              <a:rPr lang="fr-FR" sz="1200" dirty="0"/>
+              <a:t> (que ce soit sur </a:t>
+            </a:r>
+            <a:r>
+              <a:rPr lang="fr-FR" sz="1200" dirty="0" err="1"/>
+              <a:t>windows</a:t>
+            </a:r>
+            <a:r>
+              <a:rPr lang="fr-FR" sz="1200" dirty="0"/>
+              <a:t> ou Linux). La librairie python </a:t>
+            </a:r>
+            <a:r>
+              <a:rPr lang="fr-FR" sz="1200" b="1" dirty="0" err="1"/>
+              <a:t>serial.tools</a:t>
+            </a:r>
+            <a:r>
+              <a:rPr lang="fr-FR" sz="1200" dirty="0"/>
+              <a:t> permet d'identifier les ports disponibles où se trouvent les périphériques branchés à la machine:</a:t>
+            </a:r>
+          </a:p>
+        </p:txBody>
+      </p:sp>
+      <p:pic>
+        <p:nvPicPr>
+          <p:cNvPr id="6" name="Image 5">
+            <a:extLst>
+              <a:ext uri="{FF2B5EF4-FFF2-40B4-BE49-F238E27FC236}">
+                <a16:creationId xmlns:a16="http://schemas.microsoft.com/office/drawing/2014/main" id="{6A792F12-E0A0-4037-9237-DAF0C762FEAC}"/>
+              </a:ext>
+            </a:extLst>
+          </p:cNvPr>
+          <p:cNvPicPr>
+            <a:picLocks noChangeAspect="1"/>
+          </p:cNvPicPr>
+          <p:nvPr/>
+        </p:nvPicPr>
+        <p:blipFill>
+          <a:blip r:embed="rId2"/>
+          <a:stretch>
+            <a:fillRect/>
+          </a:stretch>
+        </p:blipFill>
+        <p:spPr>
+          <a:xfrm>
+            <a:off x="837679" y="2845709"/>
+            <a:ext cx="7468642" cy="333422"/>
+          </a:xfrm>
+          <a:prstGeom prst="rect">
+            <a:avLst/>
+          </a:prstGeom>
+        </p:spPr>
+      </p:pic>
+      <p:pic>
+        <p:nvPicPr>
+          <p:cNvPr id="8" name="Image 7">
+            <a:extLst>
+              <a:ext uri="{FF2B5EF4-FFF2-40B4-BE49-F238E27FC236}">
+                <a16:creationId xmlns:a16="http://schemas.microsoft.com/office/drawing/2014/main" id="{EAAD1E87-C361-4CE8-A2D8-F51C9C3C8312}"/>
+              </a:ext>
+            </a:extLst>
+          </p:cNvPr>
+          <p:cNvPicPr>
+            <a:picLocks noChangeAspect="1"/>
+          </p:cNvPicPr>
+          <p:nvPr/>
+        </p:nvPicPr>
+        <p:blipFill>
+          <a:blip r:embed="rId3"/>
+          <a:stretch>
+            <a:fillRect/>
+          </a:stretch>
+        </p:blipFill>
+        <p:spPr>
+          <a:xfrm>
+            <a:off x="794810" y="3721228"/>
+            <a:ext cx="7554379" cy="552527"/>
+          </a:xfrm>
+          <a:prstGeom prst="rect">
+            <a:avLst/>
+          </a:prstGeom>
+        </p:spPr>
+      </p:pic>
+      <p:sp>
+        <p:nvSpPr>
+          <p:cNvPr id="9" name="ZoneTexte 8">
+            <a:extLst>
+              <a:ext uri="{FF2B5EF4-FFF2-40B4-BE49-F238E27FC236}">
+                <a16:creationId xmlns:a16="http://schemas.microsoft.com/office/drawing/2014/main" id="{421B040F-031B-4A66-B16C-BE5C77C7A136}"/>
+              </a:ext>
+            </a:extLst>
+          </p:cNvPr>
+          <p:cNvSpPr txBox="1"/>
+          <p:nvPr/>
+        </p:nvSpPr>
+        <p:spPr>
+          <a:xfrm>
+            <a:off x="794810" y="2499814"/>
+            <a:ext cx="7954028" cy="276999"/>
+          </a:xfrm>
+          <a:prstGeom prst="rect">
+            <a:avLst/>
+          </a:prstGeom>
+          <a:noFill/>
+        </p:spPr>
+        <p:txBody>
+          <a:bodyPr wrap="square" rtlCol="0">
+            <a:spAutoFit/>
+          </a:bodyPr>
+          <a:lstStyle/>
+          <a:p>
+            <a:r>
+              <a:rPr lang="fr-FR" sz="1200" dirty="0"/>
+              <a:t>Exemple Windows :</a:t>
+            </a:r>
+          </a:p>
+        </p:txBody>
+      </p:sp>
+      <p:sp>
+        <p:nvSpPr>
+          <p:cNvPr id="10" name="ZoneTexte 9">
+            <a:extLst>
+              <a:ext uri="{FF2B5EF4-FFF2-40B4-BE49-F238E27FC236}">
+                <a16:creationId xmlns:a16="http://schemas.microsoft.com/office/drawing/2014/main" id="{D87F43BF-40DB-4BFC-A79E-F41203AE0BE9}"/>
+              </a:ext>
+            </a:extLst>
+          </p:cNvPr>
+          <p:cNvSpPr txBox="1"/>
+          <p:nvPr/>
+        </p:nvSpPr>
+        <p:spPr>
+          <a:xfrm>
+            <a:off x="794810" y="3342772"/>
+            <a:ext cx="7954028" cy="276999"/>
+          </a:xfrm>
+          <a:prstGeom prst="rect">
+            <a:avLst/>
+          </a:prstGeom>
+          <a:noFill/>
+        </p:spPr>
+        <p:txBody>
+          <a:bodyPr wrap="square" rtlCol="0">
+            <a:spAutoFit/>
+          </a:bodyPr>
+          <a:lstStyle/>
+          <a:p>
+            <a:r>
+              <a:rPr lang="fr-FR" sz="1200" dirty="0"/>
+              <a:t>Exemple Linux :</a:t>
             </a:r>
           </a:p>
         </p:txBody>
@@ -4449,7 +4848,7 @@
     </p:spTree>
     <p:extLst>
       <p:ext uri="{BB962C8B-B14F-4D97-AF65-F5344CB8AC3E}">
-        <p14:creationId xmlns:p14="http://schemas.microsoft.com/office/powerpoint/2010/main" val="107442556"/>
+        <p14:creationId xmlns:p14="http://schemas.microsoft.com/office/powerpoint/2010/main" val="1351145662"/>
       </p:ext>
     </p:extLst>
   </p:cSld>
@@ -4478,6 +4877,80 @@
       </p:grpSpPr>
       <p:sp>
         <p:nvSpPr>
+          <p:cNvPr id="2" name="Espace réservé du texte 1"/>
+          <p:cNvSpPr>
+            <a:spLocks noGrp="1"/>
+          </p:cNvSpPr>
+          <p:nvPr>
+            <p:ph type="body" sz="quarter" idx="14"/>
+          </p:nvPr>
+        </p:nvSpPr>
+        <p:spPr/>
+        <p:txBody>
+          <a:bodyPr/>
+          <a:lstStyle/>
+          <a:p>
+            <a:r>
+              <a:rPr lang="fr-FR" dirty="0"/>
+              <a:t>Chapitre 3</a:t>
+            </a:r>
+          </a:p>
+        </p:txBody>
+      </p:sp>
+      <p:sp>
+        <p:nvSpPr>
+          <p:cNvPr id="3" name="Espace réservé du texte 2"/>
+          <p:cNvSpPr>
+            <a:spLocks noGrp="1"/>
+          </p:cNvSpPr>
+          <p:nvPr>
+            <p:ph type="body" sz="quarter" idx="15"/>
+          </p:nvPr>
+        </p:nvSpPr>
+        <p:spPr/>
+        <p:txBody>
+          <a:bodyPr/>
+          <a:lstStyle/>
+          <a:p>
+            <a:r>
+              <a:rPr lang="fr-FR" dirty="0"/>
+              <a:t>Conclusion</a:t>
+            </a:r>
+          </a:p>
+        </p:txBody>
+      </p:sp>
+    </p:spTree>
+    <p:extLst>
+      <p:ext uri="{BB962C8B-B14F-4D97-AF65-F5344CB8AC3E}">
+        <p14:creationId xmlns:p14="http://schemas.microsoft.com/office/powerpoint/2010/main" val="107442556"/>
+      </p:ext>
+    </p:extLst>
+  </p:cSld>
+  <p:clrMapOvr>
+    <a:masterClrMapping/>
+  </p:clrMapOvr>
+</p:sld>
+</file>
+
+<file path=ppt/slides/slide14.xml><?xml version="1.0" encoding="utf-8"?>
+<p:sld xmlns:a="http://schemas.openxmlformats.org/drawingml/2006/main" xmlns:r="http://schemas.openxmlformats.org/officeDocument/2006/relationships" xmlns:p="http://schemas.openxmlformats.org/presentationml/2006/main">
+  <p:cSld>
+    <p:spTree>
+      <p:nvGrpSpPr>
+        <p:cNvPr id="1" name=""/>
+        <p:cNvGrpSpPr/>
+        <p:nvPr/>
+      </p:nvGrpSpPr>
+      <p:grpSpPr>
+        <a:xfrm>
+          <a:off x="0" y="0"/>
+          <a:ext cx="0" cy="0"/>
+          <a:chOff x="0" y="0"/>
+          <a:chExt cx="0" cy="0"/>
+        </a:xfrm>
+      </p:grpSpPr>
+      <p:sp>
+        <p:nvSpPr>
           <p:cNvPr id="5" name="Espace réservé du texte 4"/>
           <p:cNvSpPr>
             <a:spLocks noGrp="1"/>
@@ -4634,7 +5107,7 @@
             </a:pPr>
             <a:r>
               <a:rPr lang="fr-FR" dirty="0"/>
-              <a:t>Installer Windows fonctionnel, Linux ??LUCA??</a:t>
+              <a:t>Installer Windows et Linux fonctionnel</a:t>
             </a:r>
           </a:p>
         </p:txBody>
@@ -6736,134 +7209,6 @@
 </file>
 
 <file path=customXml/item1.xml><?xml version="1.0" encoding="utf-8"?>
-<p:properties xmlns:p="http://schemas.microsoft.com/office/2006/metadata/properties" xmlns:xsi="http://www.w3.org/2001/XMLSchema-instance" xmlns:pc="http://schemas.microsoft.com/office/infopath/2007/PartnerControls">
-  <documentManagement>
-    <AcquiredFrom xmlns="6d93d202-47fc-4405-873a-cab67cc5f1b2">Internal MS</AcquiredFrom>
-    <IsSearchable xmlns="6d93d202-47fc-4405-873a-cab67cc5f1b2">false</IsSearchable>
-    <EditorialStatus xmlns="6d93d202-47fc-4405-873a-cab67cc5f1b2">Complete</EditorialStatus>
-    <OriginAsset xmlns="6d93d202-47fc-4405-873a-cab67cc5f1b2" xsi:nil="true"/>
-    <ThumbnailAssetId xmlns="6d93d202-47fc-4405-873a-cab67cc5f1b2" xsi:nil="true"/>
-    <TrustLevel xmlns="6d93d202-47fc-4405-873a-cab67cc5f1b2">1 Microsoft Managed Content</TrustLevel>
-    <MarketSpecific xmlns="6d93d202-47fc-4405-873a-cab67cc5f1b2">false</MarketSpecific>
-    <LocManualTestRequired xmlns="6d93d202-47fc-4405-873a-cab67cc5f1b2">false</LocManualTestRequired>
-    <LocalizationTagsTaxHTField0 xmlns="6d93d202-47fc-4405-873a-cab67cc5f1b2">
-      <Terms xmlns="http://schemas.microsoft.com/office/infopath/2007/PartnerControls"/>
-    </LocalizationTagsTaxHTField0>
-    <TPNamespace xmlns="6d93d202-47fc-4405-873a-cab67cc5f1b2" xsi:nil="true"/>
-    <CampaignTagsTaxHTField0 xmlns="6d93d202-47fc-4405-873a-cab67cc5f1b2">
-      <Terms xmlns="http://schemas.microsoft.com/office/infopath/2007/PartnerControls"/>
-    </CampaignTagsTaxHTField0>
-    <DirectSourceMarket xmlns="6d93d202-47fc-4405-873a-cab67cc5f1b2" xsi:nil="true"/>
-    <LocLastLocAttemptVersionLookup xmlns="6d93d202-47fc-4405-873a-cab67cc5f1b2">250539</LocLastLocAttemptVersionLookup>
-    <MachineTranslated xmlns="6d93d202-47fc-4405-873a-cab67cc5f1b2">false</MachineTranslated>
-    <PlannedPubDate xmlns="6d93d202-47fc-4405-873a-cab67cc5f1b2" xsi:nil="true"/>
-    <SubmitterId xmlns="6d93d202-47fc-4405-873a-cab67cc5f1b2" xsi:nil="true"/>
-    <Downloads xmlns="6d93d202-47fc-4405-873a-cab67cc5f1b2">0</Downloads>
-    <OriginalSourceMarket xmlns="6d93d202-47fc-4405-873a-cab67cc5f1b2" xsi:nil="true"/>
-    <PublishTargets xmlns="6d93d202-47fc-4405-873a-cab67cc5f1b2">OfficeOnlineVNext</PublishTargets>
-    <ArtSampleDocs xmlns="6d93d202-47fc-4405-873a-cab67cc5f1b2" xsi:nil="true"/>
-    <ApprovalLog xmlns="6d93d202-47fc-4405-873a-cab67cc5f1b2" xsi:nil="true"/>
-    <ApprovalStatus xmlns="6d93d202-47fc-4405-873a-cab67cc5f1b2">InProgress</ApprovalStatus>
-    <TPComponent xmlns="6d93d202-47fc-4405-873a-cab67cc5f1b2" xsi:nil="true"/>
-    <EditorialTags xmlns="6d93d202-47fc-4405-873a-cab67cc5f1b2" xsi:nil="true"/>
-    <TPExecutable xmlns="6d93d202-47fc-4405-873a-cab67cc5f1b2" xsi:nil="true"/>
-    <InternalTagsTaxHTField0 xmlns="6d93d202-47fc-4405-873a-cab67cc5f1b2">
-      <Terms xmlns="http://schemas.microsoft.com/office/infopath/2007/PartnerControls"/>
-    </InternalTagsTaxHTField0>
-    <LastHandOff xmlns="6d93d202-47fc-4405-873a-cab67cc5f1b2" xsi:nil="true"/>
-    <LocRecommendedHandoff xmlns="6d93d202-47fc-4405-873a-cab67cc5f1b2" xsi:nil="true"/>
-    <BusinessGroup xmlns="6d93d202-47fc-4405-873a-cab67cc5f1b2" xsi:nil="true"/>
-    <TPAppVersion xmlns="6d93d202-47fc-4405-873a-cab67cc5f1b2" xsi:nil="true"/>
-    <VoteCount xmlns="6d93d202-47fc-4405-873a-cab67cc5f1b2" xsi:nil="true"/>
-    <APAuthor xmlns="6d93d202-47fc-4405-873a-cab67cc5f1b2">
-      <UserInfo>
-        <DisplayName/>
-        <AccountId>1229</AccountId>
-        <AccountType/>
-      </UserInfo>
-    </APAuthor>
-    <TPCommandLine xmlns="6d93d202-47fc-4405-873a-cab67cc5f1b2" xsi:nil="true"/>
-    <UACurrentWords xmlns="6d93d202-47fc-4405-873a-cab67cc5f1b2" xsi:nil="true"/>
-    <AssetId xmlns="6d93d202-47fc-4405-873a-cab67cc5f1b2">TP104334741</AssetId>
-    <Manager xmlns="6d93d202-47fc-4405-873a-cab67cc5f1b2" xsi:nil="true"/>
-    <NumericId xmlns="6d93d202-47fc-4405-873a-cab67cc5f1b2" xsi:nil="true"/>
-    <HandoffToMSDN xmlns="6d93d202-47fc-4405-873a-cab67cc5f1b2" xsi:nil="true"/>
-    <Markets xmlns="6d93d202-47fc-4405-873a-cab67cc5f1b2"/>
-    <UALocComments xmlns="6d93d202-47fc-4405-873a-cab67cc5f1b2" xsi:nil="true"/>
-    <UALocRecommendation xmlns="6d93d202-47fc-4405-873a-cab67cc5f1b2">Localize</UALocRecommendation>
-    <Component xmlns="64acb2c5-0a2b-4bda-bd34-58e36cbb80d2" xsi:nil="true"/>
-    <AssetStart xmlns="6d93d202-47fc-4405-873a-cab67cc5f1b2">2014-05-21T15:12:11+00:00</AssetStart>
-    <CrawlForDependencies xmlns="6d93d202-47fc-4405-873a-cab67cc5f1b2">false</CrawlForDependencies>
-    <LastModifiedDateTime xmlns="6d93d202-47fc-4405-873a-cab67cc5f1b2" xsi:nil="true"/>
-    <LocMarketGroupTiers2 xmlns="6d93d202-47fc-4405-873a-cab67cc5f1b2" xsi:nil="true"/>
-    <PublishStatusLookup xmlns="6d93d202-47fc-4405-873a-cab67cc5f1b2">
-      <Value>615167</Value>
-    </PublishStatusLookup>
-    <AverageRating xmlns="6d93d202-47fc-4405-873a-cab67cc5f1b2" xsi:nil="true"/>
-    <CSXUpdate xmlns="6d93d202-47fc-4405-873a-cab67cc5f1b2">false</CSXUpdate>
-    <UAProjectedTotalWords xmlns="6d93d202-47fc-4405-873a-cab67cc5f1b2" xsi:nil="true"/>
-    <AssetExpire xmlns="6d93d202-47fc-4405-873a-cab67cc5f1b2">2029-01-01T00:00:00+00:00</AssetExpire>
-    <AssetType xmlns="6d93d202-47fc-4405-873a-cab67cc5f1b2" xsi:nil="true"/>
-    <IntlLangReviewDate xmlns="6d93d202-47fc-4405-873a-cab67cc5f1b2" xsi:nil="true"/>
-    <TPFriendlyName xmlns="6d93d202-47fc-4405-873a-cab67cc5f1b2" xsi:nil="true"/>
-    <IntlLangReview xmlns="6d93d202-47fc-4405-873a-cab67cc5f1b2">false</IntlLangReview>
-    <OOCacheId xmlns="6d93d202-47fc-4405-873a-cab67cc5f1b2" xsi:nil="true"/>
-    <PolicheckWords xmlns="6d93d202-47fc-4405-873a-cab67cc5f1b2" xsi:nil="true"/>
-    <TemplateStatus xmlns="6d93d202-47fc-4405-873a-cab67cc5f1b2">Complete</TemplateStatus>
-    <CSXSubmissionMarket xmlns="6d93d202-47fc-4405-873a-cab67cc5f1b2" xsi:nil="true"/>
-    <BlockPublish xmlns="6d93d202-47fc-4405-873a-cab67cc5f1b2">false</BlockPublish>
-    <FriendlyTitle xmlns="6d93d202-47fc-4405-873a-cab67cc5f1b2" xsi:nil="true"/>
-    <TPLaunchHelpLinkType xmlns="6d93d202-47fc-4405-873a-cab67cc5f1b2">Template</TPLaunchHelpLinkType>
-    <LocComments xmlns="6d93d202-47fc-4405-873a-cab67cc5f1b2" xsi:nil="true"/>
-    <Providers xmlns="6d93d202-47fc-4405-873a-cab67cc5f1b2" xsi:nil="true"/>
-    <SourceTitle xmlns="6d93d202-47fc-4405-873a-cab67cc5f1b2" xsi:nil="true"/>
-    <TemplateTemplateType xmlns="6d93d202-47fc-4405-873a-cab67cc5f1b2">PowerPoint Presentation Template</TemplateTemplateType>
-    <TimesCloned xmlns="6d93d202-47fc-4405-873a-cab67cc5f1b2" xsi:nil="true"/>
-    <ClipArtFilename xmlns="6d93d202-47fc-4405-873a-cab67cc5f1b2" xsi:nil="true"/>
-    <APDescription xmlns="6d93d202-47fc-4405-873a-cab67cc5f1b2">Présentation PowerPoint business sobre et élégante, reposant sur un design avangardiste aux motifs géométriques abstraits.</APDescription>
-    <TaxCatchAll xmlns="6d93d202-47fc-4405-873a-cab67cc5f1b2"/>
-    <TPApplication xmlns="6d93d202-47fc-4405-873a-cab67cc5f1b2" xsi:nil="true"/>
-    <CSXHash xmlns="6d93d202-47fc-4405-873a-cab67cc5f1b2" xsi:nil="true"/>
-    <PrimaryImageGen xmlns="6d93d202-47fc-4405-873a-cab67cc5f1b2">true</PrimaryImageGen>
-    <ContentItem xmlns="6d93d202-47fc-4405-873a-cab67cc5f1b2" xsi:nil="true"/>
-    <IsDeleted xmlns="6d93d202-47fc-4405-873a-cab67cc5f1b2">false</IsDeleted>
-    <ShowIn xmlns="6d93d202-47fc-4405-873a-cab67cc5f1b2">Show everywhere</ShowIn>
-    <BugNumber xmlns="6d93d202-47fc-4405-873a-cab67cc5f1b2" xsi:nil="true"/>
-    <LegacyData xmlns="6d93d202-47fc-4405-873a-cab67cc5f1b2" xsi:nil="true"/>
-    <TPLaunchHelpLink xmlns="6d93d202-47fc-4405-873a-cab67cc5f1b2" xsi:nil="true"/>
-    <Milestone xmlns="6d93d202-47fc-4405-873a-cab67cc5f1b2" xsi:nil="true"/>
-    <OriginalRelease xmlns="6d93d202-47fc-4405-873a-cab67cc5f1b2">15</OriginalRelease>
-    <RecommendationsModifier xmlns="6d93d202-47fc-4405-873a-cab67cc5f1b2" xsi:nil="true"/>
-    <ScenarioTagsTaxHTField0 xmlns="6d93d202-47fc-4405-873a-cab67cc5f1b2">
-      <Terms xmlns="http://schemas.microsoft.com/office/infopath/2007/PartnerControls"/>
-    </ScenarioTagsTaxHTField0>
-    <UANotes xmlns="6d93d202-47fc-4405-873a-cab67cc5f1b2" xsi:nil="true"/>
-    <FeatureTagsTaxHTField0 xmlns="6d93d202-47fc-4405-873a-cab67cc5f1b2">
-      <Terms xmlns="http://schemas.microsoft.com/office/infopath/2007/PartnerControls"/>
-    </FeatureTagsTaxHTField0>
-    <IntlLangReviewer xmlns="6d93d202-47fc-4405-873a-cab67cc5f1b2" xsi:nil="true"/>
-    <IntlLocPriority xmlns="6d93d202-47fc-4405-873a-cab67cc5f1b2" xsi:nil="true"/>
-    <OpenTemplate xmlns="6d93d202-47fc-4405-873a-cab67cc5f1b2">true</OpenTemplate>
-    <Provider xmlns="6d93d202-47fc-4405-873a-cab67cc5f1b2" xsi:nil="true"/>
-    <CSXSubmissionDate xmlns="6d93d202-47fc-4405-873a-cab67cc5f1b2" xsi:nil="true"/>
-    <Description0 xmlns="64acb2c5-0a2b-4bda-bd34-58e36cbb80d2" xsi:nil="true"/>
-    <TPClientViewer xmlns="6d93d202-47fc-4405-873a-cab67cc5f1b2" xsi:nil="true"/>
-    <DSATActionTaken xmlns="6d93d202-47fc-4405-873a-cab67cc5f1b2" xsi:nil="true"/>
-    <APEditor xmlns="6d93d202-47fc-4405-873a-cab67cc5f1b2">
-      <UserInfo>
-        <DisplayName/>
-        <AccountId xsi:nil="true"/>
-        <AccountType/>
-      </UserInfo>
-    </APEditor>
-    <TPInstallLocation xmlns="6d93d202-47fc-4405-873a-cab67cc5f1b2" xsi:nil="true"/>
-    <OutputCachingOn xmlns="6d93d202-47fc-4405-873a-cab67cc5f1b2">false</OutputCachingOn>
-    <ParentAssetId xmlns="6d93d202-47fc-4405-873a-cab67cc5f1b2" xsi:nil="true"/>
-  </documentManagement>
-</p:properties>
-</file>
-
-<file path=customXml/item2.xml><?xml version="1.0" encoding="utf-8"?>
 <ct:contentTypeSchema xmlns:ct="http://schemas.microsoft.com/office/2006/metadata/contentType" xmlns:ma="http://schemas.microsoft.com/office/2006/metadata/properties/metaAttributes" ct:_="" ma:_="" ma:contentTypeName="TemplateFile" ma:contentTypeID="0x01010069924D1ECC420D47A2456556BC94F7370400BDF4491DEA4973499845289601F88B9F" ma:contentTypeVersion="55" ma:contentTypeDescription="Create a new document." ma:contentTypeScope="" ma:versionID="41eb558a2b826e6e4f9defd990175bec">
   <xsd:schema xmlns:xsd="http://www.w3.org/2001/XMLSchema" xmlns:xs="http://www.w3.org/2001/XMLSchema" xmlns:p="http://schemas.microsoft.com/office/2006/metadata/properties" xmlns:ns2="6d93d202-47fc-4405-873a-cab67cc5f1b2" xmlns:ns3="64acb2c5-0a2b-4bda-bd34-58e36cbb80d2" targetNamespace="http://schemas.microsoft.com/office/2006/metadata/properties" ma:root="true" ma:fieldsID="19deea0185cf7bc57eee9b90b1ba2ace" ns2:_="" ns3:_="">
     <xsd:import namespace="6d93d202-47fc-4405-873a-cab67cc5f1b2"/>
@@ -7922,6 +8267,134 @@
 </ct:contentTypeSchema>
 </file>
 
+<file path=customXml/item2.xml><?xml version="1.0" encoding="utf-8"?>
+<p:properties xmlns:p="http://schemas.microsoft.com/office/2006/metadata/properties" xmlns:xsi="http://www.w3.org/2001/XMLSchema-instance" xmlns:pc="http://schemas.microsoft.com/office/infopath/2007/PartnerControls">
+  <documentManagement>
+    <AcquiredFrom xmlns="6d93d202-47fc-4405-873a-cab67cc5f1b2">Internal MS</AcquiredFrom>
+    <IsSearchable xmlns="6d93d202-47fc-4405-873a-cab67cc5f1b2">false</IsSearchable>
+    <EditorialStatus xmlns="6d93d202-47fc-4405-873a-cab67cc5f1b2">Complete</EditorialStatus>
+    <OriginAsset xmlns="6d93d202-47fc-4405-873a-cab67cc5f1b2" xsi:nil="true"/>
+    <ThumbnailAssetId xmlns="6d93d202-47fc-4405-873a-cab67cc5f1b2" xsi:nil="true"/>
+    <TrustLevel xmlns="6d93d202-47fc-4405-873a-cab67cc5f1b2">1 Microsoft Managed Content</TrustLevel>
+    <MarketSpecific xmlns="6d93d202-47fc-4405-873a-cab67cc5f1b2">false</MarketSpecific>
+    <LocManualTestRequired xmlns="6d93d202-47fc-4405-873a-cab67cc5f1b2">false</LocManualTestRequired>
+    <LocalizationTagsTaxHTField0 xmlns="6d93d202-47fc-4405-873a-cab67cc5f1b2">
+      <Terms xmlns="http://schemas.microsoft.com/office/infopath/2007/PartnerControls"/>
+    </LocalizationTagsTaxHTField0>
+    <TPNamespace xmlns="6d93d202-47fc-4405-873a-cab67cc5f1b2" xsi:nil="true"/>
+    <CampaignTagsTaxHTField0 xmlns="6d93d202-47fc-4405-873a-cab67cc5f1b2">
+      <Terms xmlns="http://schemas.microsoft.com/office/infopath/2007/PartnerControls"/>
+    </CampaignTagsTaxHTField0>
+    <DirectSourceMarket xmlns="6d93d202-47fc-4405-873a-cab67cc5f1b2" xsi:nil="true"/>
+    <LocLastLocAttemptVersionLookup xmlns="6d93d202-47fc-4405-873a-cab67cc5f1b2">250539</LocLastLocAttemptVersionLookup>
+    <MachineTranslated xmlns="6d93d202-47fc-4405-873a-cab67cc5f1b2">false</MachineTranslated>
+    <PlannedPubDate xmlns="6d93d202-47fc-4405-873a-cab67cc5f1b2" xsi:nil="true"/>
+    <SubmitterId xmlns="6d93d202-47fc-4405-873a-cab67cc5f1b2" xsi:nil="true"/>
+    <Downloads xmlns="6d93d202-47fc-4405-873a-cab67cc5f1b2">0</Downloads>
+    <OriginalSourceMarket xmlns="6d93d202-47fc-4405-873a-cab67cc5f1b2" xsi:nil="true"/>
+    <PublishTargets xmlns="6d93d202-47fc-4405-873a-cab67cc5f1b2">OfficeOnlineVNext</PublishTargets>
+    <ArtSampleDocs xmlns="6d93d202-47fc-4405-873a-cab67cc5f1b2" xsi:nil="true"/>
+    <ApprovalLog xmlns="6d93d202-47fc-4405-873a-cab67cc5f1b2" xsi:nil="true"/>
+    <ApprovalStatus xmlns="6d93d202-47fc-4405-873a-cab67cc5f1b2">InProgress</ApprovalStatus>
+    <TPComponent xmlns="6d93d202-47fc-4405-873a-cab67cc5f1b2" xsi:nil="true"/>
+    <EditorialTags xmlns="6d93d202-47fc-4405-873a-cab67cc5f1b2" xsi:nil="true"/>
+    <TPExecutable xmlns="6d93d202-47fc-4405-873a-cab67cc5f1b2" xsi:nil="true"/>
+    <InternalTagsTaxHTField0 xmlns="6d93d202-47fc-4405-873a-cab67cc5f1b2">
+      <Terms xmlns="http://schemas.microsoft.com/office/infopath/2007/PartnerControls"/>
+    </InternalTagsTaxHTField0>
+    <LastHandOff xmlns="6d93d202-47fc-4405-873a-cab67cc5f1b2" xsi:nil="true"/>
+    <LocRecommendedHandoff xmlns="6d93d202-47fc-4405-873a-cab67cc5f1b2" xsi:nil="true"/>
+    <BusinessGroup xmlns="6d93d202-47fc-4405-873a-cab67cc5f1b2" xsi:nil="true"/>
+    <TPAppVersion xmlns="6d93d202-47fc-4405-873a-cab67cc5f1b2" xsi:nil="true"/>
+    <VoteCount xmlns="6d93d202-47fc-4405-873a-cab67cc5f1b2" xsi:nil="true"/>
+    <APAuthor xmlns="6d93d202-47fc-4405-873a-cab67cc5f1b2">
+      <UserInfo>
+        <DisplayName/>
+        <AccountId>1229</AccountId>
+        <AccountType/>
+      </UserInfo>
+    </APAuthor>
+    <TPCommandLine xmlns="6d93d202-47fc-4405-873a-cab67cc5f1b2" xsi:nil="true"/>
+    <UACurrentWords xmlns="6d93d202-47fc-4405-873a-cab67cc5f1b2" xsi:nil="true"/>
+    <AssetId xmlns="6d93d202-47fc-4405-873a-cab67cc5f1b2">TP104334741</AssetId>
+    <Manager xmlns="6d93d202-47fc-4405-873a-cab67cc5f1b2" xsi:nil="true"/>
+    <NumericId xmlns="6d93d202-47fc-4405-873a-cab67cc5f1b2" xsi:nil="true"/>
+    <HandoffToMSDN xmlns="6d93d202-47fc-4405-873a-cab67cc5f1b2" xsi:nil="true"/>
+    <Markets xmlns="6d93d202-47fc-4405-873a-cab67cc5f1b2"/>
+    <UALocComments xmlns="6d93d202-47fc-4405-873a-cab67cc5f1b2" xsi:nil="true"/>
+    <UALocRecommendation xmlns="6d93d202-47fc-4405-873a-cab67cc5f1b2">Localize</UALocRecommendation>
+    <Component xmlns="64acb2c5-0a2b-4bda-bd34-58e36cbb80d2" xsi:nil="true"/>
+    <AssetStart xmlns="6d93d202-47fc-4405-873a-cab67cc5f1b2">2014-05-21T15:12:11+00:00</AssetStart>
+    <CrawlForDependencies xmlns="6d93d202-47fc-4405-873a-cab67cc5f1b2">false</CrawlForDependencies>
+    <LastModifiedDateTime xmlns="6d93d202-47fc-4405-873a-cab67cc5f1b2" xsi:nil="true"/>
+    <LocMarketGroupTiers2 xmlns="6d93d202-47fc-4405-873a-cab67cc5f1b2" xsi:nil="true"/>
+    <PublishStatusLookup xmlns="6d93d202-47fc-4405-873a-cab67cc5f1b2">
+      <Value>615167</Value>
+    </PublishStatusLookup>
+    <AverageRating xmlns="6d93d202-47fc-4405-873a-cab67cc5f1b2" xsi:nil="true"/>
+    <CSXUpdate xmlns="6d93d202-47fc-4405-873a-cab67cc5f1b2">false</CSXUpdate>
+    <UAProjectedTotalWords xmlns="6d93d202-47fc-4405-873a-cab67cc5f1b2" xsi:nil="true"/>
+    <AssetExpire xmlns="6d93d202-47fc-4405-873a-cab67cc5f1b2">2029-01-01T00:00:00+00:00</AssetExpire>
+    <AssetType xmlns="6d93d202-47fc-4405-873a-cab67cc5f1b2" xsi:nil="true"/>
+    <IntlLangReviewDate xmlns="6d93d202-47fc-4405-873a-cab67cc5f1b2" xsi:nil="true"/>
+    <TPFriendlyName xmlns="6d93d202-47fc-4405-873a-cab67cc5f1b2" xsi:nil="true"/>
+    <IntlLangReview xmlns="6d93d202-47fc-4405-873a-cab67cc5f1b2">false</IntlLangReview>
+    <OOCacheId xmlns="6d93d202-47fc-4405-873a-cab67cc5f1b2" xsi:nil="true"/>
+    <PolicheckWords xmlns="6d93d202-47fc-4405-873a-cab67cc5f1b2" xsi:nil="true"/>
+    <TemplateStatus xmlns="6d93d202-47fc-4405-873a-cab67cc5f1b2">Complete</TemplateStatus>
+    <CSXSubmissionMarket xmlns="6d93d202-47fc-4405-873a-cab67cc5f1b2" xsi:nil="true"/>
+    <BlockPublish xmlns="6d93d202-47fc-4405-873a-cab67cc5f1b2">false</BlockPublish>
+    <FriendlyTitle xmlns="6d93d202-47fc-4405-873a-cab67cc5f1b2" xsi:nil="true"/>
+    <TPLaunchHelpLinkType xmlns="6d93d202-47fc-4405-873a-cab67cc5f1b2">Template</TPLaunchHelpLinkType>
+    <LocComments xmlns="6d93d202-47fc-4405-873a-cab67cc5f1b2" xsi:nil="true"/>
+    <Providers xmlns="6d93d202-47fc-4405-873a-cab67cc5f1b2" xsi:nil="true"/>
+    <SourceTitle xmlns="6d93d202-47fc-4405-873a-cab67cc5f1b2" xsi:nil="true"/>
+    <TemplateTemplateType xmlns="6d93d202-47fc-4405-873a-cab67cc5f1b2">PowerPoint Presentation Template</TemplateTemplateType>
+    <TimesCloned xmlns="6d93d202-47fc-4405-873a-cab67cc5f1b2" xsi:nil="true"/>
+    <ClipArtFilename xmlns="6d93d202-47fc-4405-873a-cab67cc5f1b2" xsi:nil="true"/>
+    <APDescription xmlns="6d93d202-47fc-4405-873a-cab67cc5f1b2">Présentation PowerPoint business sobre et élégante, reposant sur un design avangardiste aux motifs géométriques abstraits.</APDescription>
+    <TaxCatchAll xmlns="6d93d202-47fc-4405-873a-cab67cc5f1b2"/>
+    <TPApplication xmlns="6d93d202-47fc-4405-873a-cab67cc5f1b2" xsi:nil="true"/>
+    <CSXHash xmlns="6d93d202-47fc-4405-873a-cab67cc5f1b2" xsi:nil="true"/>
+    <PrimaryImageGen xmlns="6d93d202-47fc-4405-873a-cab67cc5f1b2">true</PrimaryImageGen>
+    <ContentItem xmlns="6d93d202-47fc-4405-873a-cab67cc5f1b2" xsi:nil="true"/>
+    <IsDeleted xmlns="6d93d202-47fc-4405-873a-cab67cc5f1b2">false</IsDeleted>
+    <ShowIn xmlns="6d93d202-47fc-4405-873a-cab67cc5f1b2">Show everywhere</ShowIn>
+    <BugNumber xmlns="6d93d202-47fc-4405-873a-cab67cc5f1b2" xsi:nil="true"/>
+    <LegacyData xmlns="6d93d202-47fc-4405-873a-cab67cc5f1b2" xsi:nil="true"/>
+    <TPLaunchHelpLink xmlns="6d93d202-47fc-4405-873a-cab67cc5f1b2" xsi:nil="true"/>
+    <Milestone xmlns="6d93d202-47fc-4405-873a-cab67cc5f1b2" xsi:nil="true"/>
+    <OriginalRelease xmlns="6d93d202-47fc-4405-873a-cab67cc5f1b2">15</OriginalRelease>
+    <RecommendationsModifier xmlns="6d93d202-47fc-4405-873a-cab67cc5f1b2" xsi:nil="true"/>
+    <ScenarioTagsTaxHTField0 xmlns="6d93d202-47fc-4405-873a-cab67cc5f1b2">
+      <Terms xmlns="http://schemas.microsoft.com/office/infopath/2007/PartnerControls"/>
+    </ScenarioTagsTaxHTField0>
+    <UANotes xmlns="6d93d202-47fc-4405-873a-cab67cc5f1b2" xsi:nil="true"/>
+    <FeatureTagsTaxHTField0 xmlns="6d93d202-47fc-4405-873a-cab67cc5f1b2">
+      <Terms xmlns="http://schemas.microsoft.com/office/infopath/2007/PartnerControls"/>
+    </FeatureTagsTaxHTField0>
+    <IntlLangReviewer xmlns="6d93d202-47fc-4405-873a-cab67cc5f1b2" xsi:nil="true"/>
+    <IntlLocPriority xmlns="6d93d202-47fc-4405-873a-cab67cc5f1b2" xsi:nil="true"/>
+    <OpenTemplate xmlns="6d93d202-47fc-4405-873a-cab67cc5f1b2">true</OpenTemplate>
+    <Provider xmlns="6d93d202-47fc-4405-873a-cab67cc5f1b2" xsi:nil="true"/>
+    <CSXSubmissionDate xmlns="6d93d202-47fc-4405-873a-cab67cc5f1b2" xsi:nil="true"/>
+    <Description0 xmlns="64acb2c5-0a2b-4bda-bd34-58e36cbb80d2" xsi:nil="true"/>
+    <TPClientViewer xmlns="6d93d202-47fc-4405-873a-cab67cc5f1b2" xsi:nil="true"/>
+    <DSATActionTaken xmlns="6d93d202-47fc-4405-873a-cab67cc5f1b2" xsi:nil="true"/>
+    <APEditor xmlns="6d93d202-47fc-4405-873a-cab67cc5f1b2">
+      <UserInfo>
+        <DisplayName/>
+        <AccountId xsi:nil="true"/>
+        <AccountType/>
+      </UserInfo>
+    </APEditor>
+    <TPInstallLocation xmlns="6d93d202-47fc-4405-873a-cab67cc5f1b2" xsi:nil="true"/>
+    <OutputCachingOn xmlns="6d93d202-47fc-4405-873a-cab67cc5f1b2">false</OutputCachingOn>
+    <ParentAssetId xmlns="6d93d202-47fc-4405-873a-cab67cc5f1b2" xsi:nil="true"/>
+  </documentManagement>
+</p:properties>
+</file>
+
 <file path=customXml/item3.xml><?xml version="1.0" encoding="utf-8"?>
 <?mso-contentType ?>
 <FormTemplates xmlns="http://schemas.microsoft.com/sharepoint/v3/contenttype/forms">
@@ -7932,17 +8405,6 @@
 </file>
 
 <file path=customXml/itemProps1.xml><?xml version="1.0" encoding="utf-8"?>
-<ds:datastoreItem xmlns:ds="http://schemas.openxmlformats.org/officeDocument/2006/customXml" ds:itemID="{BA6C2D3C-FA7E-4E05-9BC4-F005A36E2BCE}">
-  <ds:schemaRefs>
-    <ds:schemaRef ds:uri="http://schemas.microsoft.com/office/2006/metadata/properties"/>
-    <ds:schemaRef ds:uri="http://schemas.microsoft.com/office/infopath/2007/PartnerControls"/>
-    <ds:schemaRef ds:uri="6d93d202-47fc-4405-873a-cab67cc5f1b2"/>
-    <ds:schemaRef ds:uri="64acb2c5-0a2b-4bda-bd34-58e36cbb80d2"/>
-  </ds:schemaRefs>
-</ds:datastoreItem>
-</file>
-
-<file path=customXml/itemProps2.xml><?xml version="1.0" encoding="utf-8"?>
 <ds:datastoreItem xmlns:ds="http://schemas.openxmlformats.org/officeDocument/2006/customXml" ds:itemID="{E0D2ACA8-A7D1-4BB5-938C-60E14DC001AA}">
   <ds:schemaRefs>
     <ds:schemaRef ds:uri="http://schemas.microsoft.com/office/2006/metadata/contentType"/>
@@ -7961,6 +8423,17 @@
 </ds:datastoreItem>
 </file>
 
+<file path=customXml/itemProps2.xml><?xml version="1.0" encoding="utf-8"?>
+<ds:datastoreItem xmlns:ds="http://schemas.openxmlformats.org/officeDocument/2006/customXml" ds:itemID="{BA6C2D3C-FA7E-4E05-9BC4-F005A36E2BCE}">
+  <ds:schemaRefs>
+    <ds:schemaRef ds:uri="http://schemas.microsoft.com/office/2006/metadata/properties"/>
+    <ds:schemaRef ds:uri="http://schemas.microsoft.com/office/infopath/2007/PartnerControls"/>
+    <ds:schemaRef ds:uri="6d93d202-47fc-4405-873a-cab67cc5f1b2"/>
+    <ds:schemaRef ds:uri="64acb2c5-0a2b-4bda-bd34-58e36cbb80d2"/>
+  </ds:schemaRefs>
+</ds:datastoreItem>
+</file>
+
 <file path=customXml/itemProps3.xml><?xml version="1.0" encoding="utf-8"?>
 <ds:datastoreItem xmlns:ds="http://schemas.openxmlformats.org/officeDocument/2006/customXml" ds:itemID="{BB9C92F6-C5F8-482F-AC56-6D5779739645}">
   <ds:schemaRefs>

--- a/rendu/presentation.pptx
+++ b/rendu/presentation.pptx
@@ -285,7 +285,7 @@
           </a:lstStyle>
           <a:p>
             <a:fld id="{538DBF0C-04E2-7C4F-92D3-BB9F31F7BD3A}" type="slidenum">
-              <a:t>‹N°›</a:t>
+              <a:t>‹#›</a:t>
             </a:fld>
             <a:endParaRPr lang="fr-FR"/>
           </a:p>
@@ -862,7 +862,7 @@
             <a:fld id="{604F9983-238B-5A48-87F7-46742A2BA19E}" type="slidenum">
               <a:rPr lang="fr-FR" smtClean="0"/>
               <a:pPr/>
-              <a:t>‹N°›</a:t>
+              <a:t>‹#›</a:t>
             </a:fld>
             <a:endParaRPr lang="fr-FR"/>
           </a:p>
@@ -1109,7 +1109,7 @@
             <a:fld id="{604F9983-238B-5A48-87F7-46742A2BA19E}" type="slidenum">
               <a:rPr lang="fr-FR" smtClean="0"/>
               <a:pPr/>
-              <a:t>‹N°›</a:t>
+              <a:t>‹#›</a:t>
             </a:fld>
             <a:endParaRPr lang="fr-FR"/>
           </a:p>
@@ -1365,7 +1365,7 @@
             <a:fld id="{604F9983-238B-5A48-87F7-46742A2BA19E}" type="slidenum">
               <a:rPr lang="fr-FR" smtClean="0"/>
               <a:pPr/>
-              <a:t>‹N°›</a:t>
+              <a:t>‹#›</a:t>
             </a:fld>
             <a:endParaRPr lang="fr-FR"/>
           </a:p>
@@ -1740,7 +1740,7 @@
             <a:fld id="{604F9983-238B-5A48-87F7-46742A2BA19E}" type="slidenum">
               <a:rPr lang="fr-FR" smtClean="0"/>
               <a:pPr/>
-              <a:t>‹N°›</a:t>
+              <a:t>‹#›</a:t>
             </a:fld>
             <a:endParaRPr lang="fr-FR"/>
           </a:p>
@@ -2084,7 +2084,7 @@
             <a:fld id="{604F9983-238B-5A48-87F7-46742A2BA19E}" type="slidenum">
               <a:rPr lang="fr-FR" smtClean="0"/>
               <a:pPr/>
-              <a:t>‹N°›</a:t>
+              <a:t>‹#›</a:t>
             </a:fld>
             <a:endParaRPr lang="fr-FR"/>
           </a:p>
@@ -2603,7 +2603,7 @@
             <a:fld id="{604F9983-238B-5A48-87F7-46742A2BA19E}" type="slidenum">
               <a:rPr lang="fr-FR" smtClean="0"/>
               <a:pPr/>
-              <a:t>‹N°›</a:t>
+              <a:t>‹#›</a:t>
             </a:fld>
             <a:endParaRPr lang="fr-FR"/>
           </a:p>
@@ -2878,7 +2878,7 @@
             <a:fld id="{604F9983-238B-5A48-87F7-46742A2BA19E}" type="slidenum">
               <a:rPr lang="fr-FR" smtClean="0"/>
               <a:pPr/>
-              <a:t>‹N°›</a:t>
+              <a:t>‹#›</a:t>
             </a:fld>
             <a:endParaRPr lang="fr-FR"/>
           </a:p>
@@ -3093,7 +3093,7 @@
             <a:fld id="{604F9983-238B-5A48-87F7-46742A2BA19E}" type="slidenum">
               <a:rPr lang="fr-FR" smtClean="0"/>
               <a:pPr/>
-              <a:t>‹N°›</a:t>
+              <a:t>‹#›</a:t>
             </a:fld>
             <a:endParaRPr lang="fr-FR"/>
           </a:p>
@@ -3301,7 +3301,7 @@
             <a:fld id="{604F9983-238B-5A48-87F7-46742A2BA19E}" type="slidenum">
               <a:rPr lang="fr-FR" smtClean="0"/>
               <a:pPr/>
-              <a:t>‹N°›</a:t>
+              <a:t>‹#›</a:t>
             </a:fld>
             <a:endParaRPr lang="fr-FR"/>
           </a:p>
@@ -3674,7 +3674,7 @@
             <a:fld id="{604F9983-238B-5A48-87F7-46742A2BA19E}" type="slidenum">
               <a:rPr lang="fr-FR" smtClean="0"/>
               <a:pPr/>
-              <a:t>‹N°›</a:t>
+              <a:t>‹#›</a:t>
             </a:fld>
             <a:endParaRPr lang="fr-FR"/>
           </a:p>
@@ -4362,15 +4362,7 @@
           <a:p>
             <a:r>
               <a:rPr lang="fr-FR" sz="1200" dirty="0"/>
-              <a:t>Depuis le script python, des </a:t>
-            </a:r>
-            <a:r>
-              <a:rPr lang="fr-FR" sz="1200" dirty="0" err="1"/>
-              <a:t>énénements</a:t>
-            </a:r>
-            <a:r>
-              <a:rPr lang="fr-FR" sz="1200" dirty="0"/>
-              <a:t> sont déclenchés afin de communiquer avec </a:t>
+              <a:t>Depuis le script python, des événements sont déclenchés afin de communiquer avec </a:t>
             </a:r>
             <a:r>
               <a:rPr lang="fr-FR" sz="1200" dirty="0" err="1"/>
@@ -4378,15 +4370,7 @@
             </a:r>
             <a:r>
               <a:rPr lang="fr-FR" sz="1200" dirty="0"/>
-              <a:t> (appui d'un bouton, changement des valeurs des barres glissantes pour </a:t>
-            </a:r>
-            <a:r>
-              <a:rPr lang="fr-FR" sz="1200" dirty="0" err="1"/>
-              <a:t>controller</a:t>
-            </a:r>
-            <a:r>
-              <a:rPr lang="fr-FR" sz="1200" dirty="0"/>
-              <a:t> la saturation et la couleur, allumer ou éteindre la LED).</a:t>
+              <a:t> (appui d'un bouton, changement des valeurs des barres glissantes pour contrôler la saturation et la couleur, allumer ou éteindre la LED).</a:t>
             </a:r>
           </a:p>
           <a:p>
@@ -4666,7 +4650,7 @@
             </a:r>
             <a:r>
               <a:rPr lang="fr-FR" sz="1200" dirty="0" err="1"/>
-              <a:t>controller</a:t>
+              <a:t>controôler</a:t>
             </a:r>
             <a:r>
               <a:rPr lang="fr-FR" sz="1200" dirty="0"/>
@@ -8268,6 +8252,15 @@
 </file>
 
 <file path=customXml/item2.xml><?xml version="1.0" encoding="utf-8"?>
+<?mso-contentType ?>
+<FormTemplates xmlns="http://schemas.microsoft.com/sharepoint/v3/contenttype/forms">
+  <Display>DocumentLibraryForm</Display>
+  <Edit>AssetEditForm</Edit>
+  <New>DocumentLibraryForm</New>
+</FormTemplates>
+</file>
+
+<file path=customXml/item3.xml><?xml version="1.0" encoding="utf-8"?>
 <p:properties xmlns:p="http://schemas.microsoft.com/office/2006/metadata/properties" xmlns:xsi="http://www.w3.org/2001/XMLSchema-instance" xmlns:pc="http://schemas.microsoft.com/office/infopath/2007/PartnerControls">
   <documentManagement>
     <AcquiredFrom xmlns="6d93d202-47fc-4405-873a-cab67cc5f1b2">Internal MS</AcquiredFrom>
@@ -8395,15 +8388,6 @@
 </p:properties>
 </file>
 
-<file path=customXml/item3.xml><?xml version="1.0" encoding="utf-8"?>
-<?mso-contentType ?>
-<FormTemplates xmlns="http://schemas.microsoft.com/sharepoint/v3/contenttype/forms">
-  <Display>DocumentLibraryForm</Display>
-  <Edit>AssetEditForm</Edit>
-  <New>DocumentLibraryForm</New>
-</FormTemplates>
-</file>
-
 <file path=customXml/itemProps1.xml><?xml version="1.0" encoding="utf-8"?>
 <ds:datastoreItem xmlns:ds="http://schemas.openxmlformats.org/officeDocument/2006/customXml" ds:itemID="{E0D2ACA8-A7D1-4BB5-938C-60E14DC001AA}">
   <ds:schemaRefs>
@@ -8424,6 +8408,14 @@
 </file>
 
 <file path=customXml/itemProps2.xml><?xml version="1.0" encoding="utf-8"?>
+<ds:datastoreItem xmlns:ds="http://schemas.openxmlformats.org/officeDocument/2006/customXml" ds:itemID="{BB9C92F6-C5F8-482F-AC56-6D5779739645}">
+  <ds:schemaRefs>
+    <ds:schemaRef ds:uri="http://schemas.microsoft.com/sharepoint/v3/contenttype/forms"/>
+  </ds:schemaRefs>
+</ds:datastoreItem>
+</file>
+
+<file path=customXml/itemProps3.xml><?xml version="1.0" encoding="utf-8"?>
 <ds:datastoreItem xmlns:ds="http://schemas.openxmlformats.org/officeDocument/2006/customXml" ds:itemID="{BA6C2D3C-FA7E-4E05-9BC4-F005A36E2BCE}">
   <ds:schemaRefs>
     <ds:schemaRef ds:uri="http://schemas.microsoft.com/office/2006/metadata/properties"/>
@@ -8432,12 +8424,4 @@
     <ds:schemaRef ds:uri="64acb2c5-0a2b-4bda-bd34-58e36cbb80d2"/>
   </ds:schemaRefs>
 </ds:datastoreItem>
-</file>
-
-<file path=customXml/itemProps3.xml><?xml version="1.0" encoding="utf-8"?>
-<ds:datastoreItem xmlns:ds="http://schemas.openxmlformats.org/officeDocument/2006/customXml" ds:itemID="{BB9C92F6-C5F8-482F-AC56-6D5779739645}">
-  <ds:schemaRefs>
-    <ds:schemaRef ds:uri="http://schemas.microsoft.com/sharepoint/v3/contenttype/forms"/>
-  </ds:schemaRefs>
-</ds:datastoreItem>
 </file>